--- a/generate-#19/output_iter2.pptx
+++ b/generate-#19/output_iter2.pptx
@@ -470,23 +470,27 @@
           <ns1:custGeom>
             <ns1:avLst/>
             <ns1:gdLst>
-              <ns1:gd name="w" fmla="*/ ss 1 1"/>
-              <ns1:gd name="h" fmla="*/ ss 1 1"/>
+              <ns1:gd name="w" fmla="*/ w 1 1"/>
+              <ns1:gd name="h" fmla="*/ h 1 1"/>
               <ns1:gd name="hc" fmla="*/ w 1 2"/>
               <ns1:gd name="vc" fmla="*/ h 1 2"/>
+              <ns1:gd name="r" fmla="*/ w 1 2"/>
             </ns1:gdLst>
             <ns1:pathLst>
               <ns1:path w="2000000" h="2000000">
                 <ns1:moveTo>
-                  <ns1:pt x="2000000" y="1000000"/>
+                  <ns1:pt x="1000000" y="0"/>
                 </ns1:moveTo>
-                <ns1:arcTo wR="1000000" hR="1000000" stAng="0" swAng="21600000"/>
+                <ns1:arcTo wR="1000000" hR="1000000" stAng="0" swAng="5400000"/>
+                <ns1:arcTo wR="1000000" hR="1000000" stAng="5400000" swAng="5400000"/>
+                <ns1:arcTo wR="1000000" hR="1000000" stAng="10800000" swAng="5400000"/>
+                <ns1:arcTo wR="1000000" hR="1000000" stAng="16200000" swAng="5400000"/>
                 <ns1:close/>
               </ns1:path>
             </ns1:pathLst>
           </ns1:custGeom>
           <ns1:solidFill>
-            <ns1:srgbClr val="FF0000"/>
+            <ns1:srgbClr val="00FF00"/>
           </ns1:solidFill>
         </ns0:spPr>
       </ns0:sp>
